--- a/ignoreme/sys모듈로 입력 인수 주기.pptx
+++ b/ignoreme/sys모듈로 입력 인수 주기.pptx
@@ -23778,7 +23778,7 @@
         </p:nvSpPr>
         <p:spPr>
           <a:xfrm>
-            <a:off x="10399216" y="6266211"/>
+            <a:off x="7341568" y="218598"/>
             <a:ext cx="1244251" cy="361253"/>
           </a:xfrm>
         </p:spPr>
@@ -23849,10 +23849,10 @@
       </p:cxnSp>
       <p:pic>
         <p:nvPicPr>
-          <p:cNvPr id="4" name="그림 3">
+          <p:cNvPr id="11" name="그림 10">
             <a:extLst>
               <a:ext uri="{FF2B5EF4-FFF2-40B4-BE49-F238E27FC236}">
-                <a16:creationId xmlns:a16="http://schemas.microsoft.com/office/drawing/2014/main" id="{790B8AE9-BCAD-DB4C-B2D3-BD1150EDC9DF}"/>
+                <a16:creationId xmlns:a16="http://schemas.microsoft.com/office/drawing/2014/main" id="{612B9297-48A2-D64B-A244-623F33BC364E}"/>
               </a:ext>
             </a:extLst>
           </p:cNvPr>
@@ -23869,36 +23869,6 @@
         </p:blipFill>
         <p:spPr>
           <a:xfrm>
-            <a:off x="2498340" y="2838792"/>
-            <a:ext cx="6806549" cy="4124498"/>
-          </a:xfrm>
-          <a:prstGeom prst="rect">
-            <a:avLst/>
-          </a:prstGeom>
-        </p:spPr>
-      </p:pic>
-      <p:pic>
-        <p:nvPicPr>
-          <p:cNvPr id="11" name="그림 10">
-            <a:extLst>
-              <a:ext uri="{FF2B5EF4-FFF2-40B4-BE49-F238E27FC236}">
-                <a16:creationId xmlns:a16="http://schemas.microsoft.com/office/drawing/2014/main" id="{612B9297-48A2-D64B-A244-623F33BC364E}"/>
-              </a:ext>
-            </a:extLst>
-          </p:cNvPr>
-          <p:cNvPicPr>
-            <a:picLocks noChangeAspect="1"/>
-          </p:cNvPicPr>
-          <p:nvPr/>
-        </p:nvPicPr>
-        <p:blipFill>
-          <a:blip r:embed="rId3"/>
-          <a:stretch>
-            <a:fillRect/>
-          </a:stretch>
-        </p:blipFill>
-        <p:spPr>
-          <a:xfrm>
             <a:off x="2379278" y="1662543"/>
             <a:ext cx="6832600" cy="215900"/>
           </a:xfrm>
@@ -23907,6 +23877,177 @@
           </a:prstGeom>
         </p:spPr>
       </p:pic>
+      <p:grpSp>
+        <p:nvGrpSpPr>
+          <p:cNvPr id="16" name="그룹 15">
+            <a:extLst>
+              <a:ext uri="{FF2B5EF4-FFF2-40B4-BE49-F238E27FC236}">
+                <a16:creationId xmlns:a16="http://schemas.microsoft.com/office/drawing/2014/main" id="{3C85E5B3-4F9D-E94F-B7A1-354770EE2166}"/>
+              </a:ext>
+            </a:extLst>
+          </p:cNvPr>
+          <p:cNvGrpSpPr/>
+          <p:nvPr/>
+        </p:nvGrpSpPr>
+        <p:grpSpPr>
+          <a:xfrm>
+            <a:off x="2000240" y="2506902"/>
+            <a:ext cx="8320099" cy="3847494"/>
+            <a:chOff x="538578" y="1739627"/>
+            <a:chExt cx="11609569" cy="5368656"/>
+          </a:xfrm>
+        </p:grpSpPr>
+        <p:pic>
+          <p:nvPicPr>
+            <p:cNvPr id="4" name="그림 3">
+              <a:extLst>
+                <a:ext uri="{FF2B5EF4-FFF2-40B4-BE49-F238E27FC236}">
+                  <a16:creationId xmlns:a16="http://schemas.microsoft.com/office/drawing/2014/main" id="{790B8AE9-BCAD-DB4C-B2D3-BD1150EDC9DF}"/>
+                </a:ext>
+              </a:extLst>
+            </p:cNvPr>
+            <p:cNvPicPr>
+              <a:picLocks noChangeAspect="1"/>
+            </p:cNvPicPr>
+            <p:nvPr/>
+          </p:nvPicPr>
+          <p:blipFill>
+            <a:blip r:embed="rId3"/>
+            <a:stretch>
+              <a:fillRect/>
+            </a:stretch>
+          </p:blipFill>
+          <p:spPr>
+            <a:xfrm>
+              <a:off x="538578" y="1739627"/>
+              <a:ext cx="6806549" cy="4124498"/>
+            </a:xfrm>
+            <a:prstGeom prst="rect">
+              <a:avLst/>
+            </a:prstGeom>
+          </p:spPr>
+        </p:pic>
+        <p:pic>
+          <p:nvPicPr>
+            <p:cNvPr id="12" name="그림 11">
+              <a:extLst>
+                <a:ext uri="{FF2B5EF4-FFF2-40B4-BE49-F238E27FC236}">
+                  <a16:creationId xmlns:a16="http://schemas.microsoft.com/office/drawing/2014/main" id="{12304C4A-2457-3046-A05D-F7DC076D9717}"/>
+                </a:ext>
+              </a:extLst>
+            </p:cNvPr>
+            <p:cNvPicPr>
+              <a:picLocks noChangeAspect="1"/>
+            </p:cNvPicPr>
+            <p:nvPr/>
+          </p:nvPicPr>
+          <p:blipFill>
+            <a:blip r:embed="rId4"/>
+            <a:stretch>
+              <a:fillRect/>
+            </a:stretch>
+          </p:blipFill>
+          <p:spPr>
+            <a:xfrm>
+              <a:off x="1446605" y="2150876"/>
+              <a:ext cx="8750300" cy="3302000"/>
+            </a:xfrm>
+            <a:prstGeom prst="rect">
+              <a:avLst/>
+            </a:prstGeom>
+          </p:spPr>
+        </p:pic>
+        <p:pic>
+          <p:nvPicPr>
+            <p:cNvPr id="13" name="그림 12">
+              <a:extLst>
+                <a:ext uri="{FF2B5EF4-FFF2-40B4-BE49-F238E27FC236}">
+                  <a16:creationId xmlns:a16="http://schemas.microsoft.com/office/drawing/2014/main" id="{A1F69BFC-AD52-FE4B-BFCE-C3A71D9843F3}"/>
+                </a:ext>
+              </a:extLst>
+            </p:cNvPr>
+            <p:cNvPicPr>
+              <a:picLocks noChangeAspect="1"/>
+            </p:cNvPicPr>
+            <p:nvPr/>
+          </p:nvPicPr>
+          <p:blipFill>
+            <a:blip r:embed="rId5"/>
+            <a:stretch>
+              <a:fillRect/>
+            </a:stretch>
+          </p:blipFill>
+          <p:spPr>
+            <a:xfrm>
+              <a:off x="1446605" y="3670186"/>
+              <a:ext cx="9664700" cy="2870200"/>
+            </a:xfrm>
+            <a:prstGeom prst="rect">
+              <a:avLst/>
+            </a:prstGeom>
+          </p:spPr>
+        </p:pic>
+        <p:pic>
+          <p:nvPicPr>
+            <p:cNvPr id="14" name="그림 13">
+              <a:extLst>
+                <a:ext uri="{FF2B5EF4-FFF2-40B4-BE49-F238E27FC236}">
+                  <a16:creationId xmlns:a16="http://schemas.microsoft.com/office/drawing/2014/main" id="{4F0CB914-E7DB-2748-AD98-D862298701EA}"/>
+                </a:ext>
+              </a:extLst>
+            </p:cNvPr>
+            <p:cNvPicPr>
+              <a:picLocks noChangeAspect="1"/>
+            </p:cNvPicPr>
+            <p:nvPr/>
+          </p:nvPicPr>
+          <p:blipFill>
+            <a:blip r:embed="rId6"/>
+            <a:stretch>
+              <a:fillRect/>
+            </a:stretch>
+          </p:blipFill>
+          <p:spPr>
+            <a:xfrm>
+              <a:off x="2483447" y="4022183"/>
+              <a:ext cx="9664700" cy="3086100"/>
+            </a:xfrm>
+            <a:prstGeom prst="rect">
+              <a:avLst/>
+            </a:prstGeom>
+          </p:spPr>
+        </p:pic>
+        <p:pic>
+          <p:nvPicPr>
+            <p:cNvPr id="15" name="그림 14">
+              <a:extLst>
+                <a:ext uri="{FF2B5EF4-FFF2-40B4-BE49-F238E27FC236}">
+                  <a16:creationId xmlns:a16="http://schemas.microsoft.com/office/drawing/2014/main" id="{012C3BF6-77AE-B449-B133-0D232A5DE86A}"/>
+                </a:ext>
+              </a:extLst>
+            </p:cNvPr>
+            <p:cNvPicPr>
+              <a:picLocks noChangeAspect="1"/>
+            </p:cNvPicPr>
+            <p:nvPr/>
+          </p:nvPicPr>
+          <p:blipFill>
+            <a:blip r:embed="rId7"/>
+            <a:stretch>
+              <a:fillRect/>
+            </a:stretch>
+          </p:blipFill>
+          <p:spPr>
+            <a:xfrm>
+              <a:off x="1334483" y="5262044"/>
+              <a:ext cx="10490200" cy="508000"/>
+            </a:xfrm>
+            <a:prstGeom prst="rect">
+              <a:avLst/>
+            </a:prstGeom>
+          </p:spPr>
+        </p:pic>
+      </p:grpSp>
     </p:spTree>
     <p:extLst>
       <p:ext uri="{BB962C8B-B14F-4D97-AF65-F5344CB8AC3E}">
